--- a/AzureSignalRCore.pptx
+++ b/AzureSignalRCore.pptx
@@ -7917,7 +7917,7 @@
         <p:spPr>
           <a:xfrm>
             <a:off x="4661641" y="1284051"/>
-            <a:ext cx="7186465" cy="4401205"/>
+            <a:ext cx="7186465" cy="4708981"/>
           </a:xfrm>
           <a:prstGeom prst="rect">
             <a:avLst/>
@@ -7940,7 +7940,23 @@
             </a:r>
             <a:r>
               <a:rPr lang="es-ES" sz="2000" dirty="0"/>
-              <a:t> V2 se puede escribir código en C#, JavaScript, Java, F#, PowerShell, </a:t>
+              <a:t> V2 (.</a:t>
+            </a:r>
+            <a:r>
+              <a:rPr lang="es-ES" sz="2000" dirty="0" err="1"/>
+              <a:t>NetCore</a:t>
+            </a:r>
+            <a:r>
+              <a:rPr lang="es-ES" sz="2000" dirty="0"/>
+              <a:t> 2.x) y V3 (</a:t>
+            </a:r>
+            <a:r>
+              <a:rPr lang="es-ES" sz="2000" dirty="0" err="1"/>
+              <a:t>.Net</a:t>
+            </a:r>
+            <a:r>
+              <a:rPr lang="es-ES" sz="2000" dirty="0"/>
+              <a:t> Core 3.x) se puede escribir código en C#, JavaScript, Java, F#, PowerShell, </a:t>
             </a:r>
             <a:r>
               <a:rPr lang="es-ES" sz="2000" dirty="0" err="1"/>

--- a/AzureSignalRCore.pptx
+++ b/AzureSignalRCore.pptx
@@ -1431,6 +1431,9 @@
             </a:r>
           </a:p>
           <a:p>
+            <a:endParaRPr lang="es-ES" dirty="0"/>
+          </a:p>
+          <a:p>
             <a:r>
               <a:rPr lang="es-ES" dirty="0"/>
               <a:t>Inconveniente: No está soportado en todos los navegadores, unidireccional, solo mensajes de texto</a:t>
@@ -1540,7 +1543,69 @@
             </a:pPr>
             <a:r>
               <a:rPr lang="es-ES" dirty="0"/>
-              <a:t>Es la técnica más efectiva. Es una técnica que proporcional un canal bidireccional sobre un único socket TCP</a:t>
+              <a:t>Es la técnica más efectiva.</a:t>
+            </a:r>
+          </a:p>
+          <a:p>
+            <a:pPr marL="0" marR="0" lvl="0" indent="0" algn="l" defTabSz="914400" rtl="0" eaLnBrk="1" fontAlgn="auto" latinLnBrk="0" hangingPunct="1">
+              <a:lnSpc>
+                <a:spcPct val="100000"/>
+              </a:lnSpc>
+              <a:spcBef>
+                <a:spcPts val="0"/>
+              </a:spcBef>
+              <a:spcAft>
+                <a:spcPts val="0"/>
+              </a:spcAft>
+              <a:buClrTx/>
+              <a:buSzTx/>
+              <a:buFontTx/>
+              <a:buNone/>
+              <a:tabLst/>
+              <a:defRPr/>
+            </a:pPr>
+            <a:r>
+              <a:rPr lang="es-ES" dirty="0"/>
+              <a:t>Es una técnica que proporcional un canal bidireccional sobre un único socket TCP.</a:t>
+            </a:r>
+          </a:p>
+          <a:p>
+            <a:pPr marL="0" marR="0" lvl="0" indent="0" algn="l" defTabSz="914400" rtl="0" eaLnBrk="1" fontAlgn="auto" latinLnBrk="0" hangingPunct="1">
+              <a:lnSpc>
+                <a:spcPct val="100000"/>
+              </a:lnSpc>
+              <a:spcBef>
+                <a:spcPts val="0"/>
+              </a:spcBef>
+              <a:spcAft>
+                <a:spcPts val="0"/>
+              </a:spcAft>
+              <a:buClrTx/>
+              <a:buSzTx/>
+              <a:buFontTx/>
+              <a:buNone/>
+              <a:tabLst/>
+              <a:defRPr/>
+            </a:pPr>
+            <a:r>
+              <a:rPr lang="es-ES" dirty="0"/>
+              <a:t>Permite envío de tipos de datos binarios, por lo que podemos hacer </a:t>
+            </a:r>
+            <a:r>
+              <a:rPr lang="es-ES" dirty="0" err="1"/>
+              <a:t>streaming</a:t>
+            </a:r>
+            <a:r>
+              <a:rPr lang="es-ES" dirty="0"/>
+              <a:t> de datos y enviar video y audio en tiempo real (</a:t>
+            </a:r>
+            <a:r>
+              <a:rPr lang="es-ES"/>
+              <a:t>por ejemplo, </a:t>
+            </a:r>
+            <a:r>
+              <a:rPr lang="es-ES" dirty="0"/>
+              <a:t>para video conferencia)</a:t>
             </a:r>
           </a:p>
           <a:p>
@@ -1630,6 +1695,15 @@
           <a:p>
             <a:r>
               <a:rPr lang="es-ES" dirty="0"/>
+              <a:t>Ofrece una capa de abstracción sobre estas técnicas.</a:t>
+            </a:r>
+          </a:p>
+          <a:p>
+            <a:endParaRPr lang="es-ES" dirty="0"/>
+          </a:p>
+          <a:p>
+            <a:r>
+              <a:rPr lang="es-ES" dirty="0"/>
               <a:t>Estas técnicas que hemos descrito antes, que son técnicas a bajo nivel, se conocen en </a:t>
             </a:r>
             <a:r>
@@ -1638,17 +1712,90 @@
             </a:r>
             <a:r>
               <a:rPr lang="es-ES" dirty="0"/>
-              <a:t> como transportes</a:t>
-            </a:r>
+              <a:t> como transportes.</a:t>
+            </a:r>
+          </a:p>
+          <a:p>
+            <a:endParaRPr lang="es-ES" u="sng" dirty="0"/>
           </a:p>
           <a:p>
             <a:r>
               <a:rPr lang="es-ES" dirty="0"/>
-              <a:t>Un anillo para gobernarlos a todos...una librería para gobernar a todas las técnicas</a:t>
-            </a:r>
-          </a:p>
-          <a:p>
+              <a:t>Otras características:</a:t>
+            </a:r>
+          </a:p>
+          <a:p>
+            <a:pPr marL="171450" indent="-171450">
+              <a:buFont typeface="Arial" panose="020B0604020202020204" pitchFamily="34" charset="0"/>
+              <a:buChar char="•"/>
+            </a:pPr>
+            <a:r>
+              <a:rPr lang="es-ES" dirty="0"/>
+              <a:t>Control automático de las conexiones</a:t>
+            </a:r>
+          </a:p>
+          <a:p>
+            <a:pPr marL="171450" indent="-171450">
+              <a:buFont typeface="Arial" panose="020B0604020202020204" pitchFamily="34" charset="0"/>
+              <a:buChar char="•"/>
+            </a:pPr>
+            <a:r>
+              <a:rPr lang="es-ES" dirty="0"/>
+              <a:t>Multiplataforma, rápido y ligero</a:t>
+            </a:r>
+          </a:p>
+          <a:p>
+            <a:pPr marL="171450" indent="-171450">
+              <a:buFont typeface="Arial" panose="020B0604020202020204" pitchFamily="34" charset="0"/>
+              <a:buChar char="•"/>
+            </a:pPr>
+            <a:r>
+              <a:rPr lang="es-ES" dirty="0"/>
+              <a:t>“</a:t>
+            </a:r>
+            <a:r>
+              <a:rPr lang="es-ES" dirty="0" err="1"/>
+              <a:t>Broadcasting</a:t>
+            </a:r>
+            <a:r>
+              <a:rPr lang="es-ES" dirty="0"/>
+              <a:t>” de mensaje a todos o a un grupo</a:t>
+            </a:r>
+          </a:p>
+          <a:p>
+            <a:pPr marL="171450" indent="-171450">
+              <a:buFont typeface="Arial" panose="020B0604020202020204" pitchFamily="34" charset="0"/>
+              <a:buChar char="•"/>
+            </a:pPr>
+            <a:r>
+              <a:rPr lang="es-ES" dirty="0"/>
+              <a:t>Envío específico de mensaje</a:t>
+            </a:r>
+          </a:p>
+          <a:p>
+            <a:pPr marL="171450" indent="-171450">
+              <a:buFont typeface="Arial" panose="020B0604020202020204" pitchFamily="34" charset="0"/>
+              <a:buChar char="•"/>
+            </a:pPr>
+            <a:r>
+              <a:rPr lang="es-ES" dirty="0"/>
+              <a:t>Es open </a:t>
+            </a:r>
+            <a:r>
+              <a:rPr lang="es-ES" dirty="0" err="1"/>
+              <a:t>source</a:t>
+            </a:r>
             <a:endParaRPr lang="es-ES" dirty="0"/>
+          </a:p>
+          <a:p>
+            <a:pPr marL="171450" indent="-171450">
+              <a:buFont typeface="Arial" panose="020B0604020202020204" pitchFamily="34" charset="0"/>
+              <a:buChar char="•"/>
+            </a:pPr>
+            <a:r>
+              <a:rPr lang="es-ES" dirty="0"/>
+              <a:t>Es muy escalable</a:t>
+            </a:r>
           </a:p>
         </p:txBody>
       </p:sp>
@@ -1901,20 +2048,412 @@
             </a:pPr>
             <a:r>
               <a:rPr lang="es-ES" dirty="0"/>
-              <a:t>Hub es la clase que se encarga de coordinar la comunicación bidireccional entre el servidor y el cliente. Es en esta clase donde vamos a poder invocar funciones desde </a:t>
+              <a:t>Puntos:</a:t>
+            </a:r>
+          </a:p>
+          <a:p>
+            <a:pPr marL="171450" marR="0" lvl="0" indent="-171450" algn="l" defTabSz="914400" rtl="0" eaLnBrk="1" fontAlgn="auto" latinLnBrk="0" hangingPunct="1">
+              <a:lnSpc>
+                <a:spcPct val="100000"/>
+              </a:lnSpc>
+              <a:spcBef>
+                <a:spcPts val="0"/>
+              </a:spcBef>
+              <a:spcAft>
+                <a:spcPts val="0"/>
+              </a:spcAft>
+              <a:buClrTx/>
+              <a:buSzTx/>
+              <a:buFont typeface="Arial" panose="020B0604020202020204" pitchFamily="34" charset="0"/>
+              <a:buChar char="•"/>
+              <a:tabLst/>
+              <a:defRPr/>
+            </a:pPr>
+            <a:r>
+              <a:rPr lang="es-ES" dirty="0"/>
+              <a:t>Instalar paquete </a:t>
             </a:r>
             <a:r>
               <a:rPr lang="es-ES" dirty="0" err="1"/>
-              <a:t>Javascript</a:t>
+              <a:t>npm</a:t>
             </a:r>
             <a:r>
               <a:rPr lang="es-ES" dirty="0"/>
-              <a:t>, en esta clase vamos a poner mandar un mensaje a los clientes y en este mensaje se va a indicar la función de JavaScript que quiero que se ejecute.</a:t>
-            </a:r>
-            <a:endParaRPr lang="en-US" dirty="0"/>
-          </a:p>
-          <a:p>
+              <a:t> de </a:t>
+            </a:r>
+            <a:r>
+              <a:rPr lang="es-ES" dirty="0" err="1"/>
+              <a:t>SignalR</a:t>
+            </a:r>
+            <a:r>
+              <a:rPr lang="es-ES" dirty="0"/>
+              <a:t> (</a:t>
+            </a:r>
+            <a:r>
+              <a:rPr lang="es-ES" dirty="0" err="1"/>
+              <a:t>npm</a:t>
+            </a:r>
+            <a:r>
+              <a:rPr lang="es-ES" dirty="0"/>
+              <a:t> </a:t>
+            </a:r>
+            <a:r>
+              <a:rPr lang="es-ES" dirty="0" err="1"/>
+              <a:t>init</a:t>
+            </a:r>
+            <a:r>
+              <a:rPr lang="es-ES" dirty="0"/>
+              <a:t> // </a:t>
+            </a:r>
+            <a:r>
+              <a:rPr lang="es-ES" dirty="0" err="1"/>
+              <a:t>npm</a:t>
+            </a:r>
+            <a:r>
+              <a:rPr lang="es-ES" dirty="0"/>
+              <a:t> </a:t>
+            </a:r>
+            <a:r>
+              <a:rPr lang="es-ES" dirty="0" err="1"/>
+              <a:t>install</a:t>
+            </a:r>
+            <a:r>
+              <a:rPr lang="es-ES" dirty="0"/>
+              <a:t> @</a:t>
+            </a:r>
+            <a:r>
+              <a:rPr lang="es-ES" dirty="0" err="1"/>
+              <a:t>aspnet</a:t>
+            </a:r>
+            <a:r>
+              <a:rPr lang="es-ES" dirty="0"/>
+              <a:t>/</a:t>
+            </a:r>
+            <a:r>
+              <a:rPr lang="es-ES" dirty="0" err="1"/>
+              <a:t>signalr</a:t>
+            </a:r>
+            <a:r>
+              <a:rPr lang="es-ES" dirty="0"/>
+              <a:t>) y copiar signalr.js (que estará la carpeta </a:t>
+            </a:r>
+            <a:r>
+              <a:rPr lang="es-ES" dirty="0" err="1"/>
+              <a:t>node_modules</a:t>
+            </a:r>
+            <a:r>
+              <a:rPr lang="es-ES" dirty="0"/>
+              <a:t>\@</a:t>
+            </a:r>
+            <a:r>
+              <a:rPr lang="es-ES" dirty="0" err="1"/>
+              <a:t>aspnet</a:t>
+            </a:r>
+            <a:r>
+              <a:rPr lang="es-ES" dirty="0"/>
+              <a:t>\</a:t>
+            </a:r>
+            <a:r>
+              <a:rPr lang="es-ES" dirty="0" err="1"/>
+              <a:t>signalr</a:t>
+            </a:r>
+            <a:r>
+              <a:rPr lang="es-ES" dirty="0"/>
+              <a:t>\</a:t>
+            </a:r>
+            <a:r>
+              <a:rPr lang="es-ES" dirty="0" err="1"/>
+              <a:t>dist</a:t>
+            </a:r>
+            <a:r>
+              <a:rPr lang="es-ES" dirty="0"/>
+              <a:t>\browser) a nuestra carpeta </a:t>
+            </a:r>
+            <a:r>
+              <a:rPr lang="es-ES" dirty="0" err="1"/>
+              <a:t>wwwroot</a:t>
+            </a:r>
+            <a:r>
+              <a:rPr lang="es-ES" dirty="0"/>
+              <a:t>/</a:t>
+            </a:r>
+            <a:r>
+              <a:rPr lang="es-ES" dirty="0" err="1"/>
+              <a:t>js</a:t>
+            </a:r>
             <a:endParaRPr lang="es-ES" dirty="0"/>
+          </a:p>
+          <a:p>
+            <a:pPr marL="171450" marR="0" lvl="0" indent="-171450" algn="l" defTabSz="914400" rtl="0" eaLnBrk="1" fontAlgn="auto" latinLnBrk="0" hangingPunct="1">
+              <a:lnSpc>
+                <a:spcPct val="100000"/>
+              </a:lnSpc>
+              <a:spcBef>
+                <a:spcPts val="0"/>
+              </a:spcBef>
+              <a:spcAft>
+                <a:spcPts val="0"/>
+              </a:spcAft>
+              <a:buClrTx/>
+              <a:buSzTx/>
+              <a:buFont typeface="Arial" panose="020B0604020202020204" pitchFamily="34" charset="0"/>
+              <a:buChar char="•"/>
+              <a:tabLst/>
+              <a:defRPr/>
+            </a:pPr>
+            <a:r>
+              <a:rPr lang="es-ES" dirty="0"/>
+              <a:t>Configurar nuestro fichero </a:t>
+            </a:r>
+            <a:r>
+              <a:rPr lang="es-ES" dirty="0" err="1"/>
+              <a:t>js</a:t>
+            </a:r>
+            <a:r>
+              <a:rPr lang="es-ES" dirty="0"/>
+              <a:t>, en este ejemplo es una vista</a:t>
+            </a:r>
+          </a:p>
+          <a:p>
+            <a:pPr marL="628650" marR="0" lvl="1" indent="-171450" algn="l" defTabSz="914400" rtl="0" eaLnBrk="1" fontAlgn="auto" latinLnBrk="0" hangingPunct="1">
+              <a:lnSpc>
+                <a:spcPct val="100000"/>
+              </a:lnSpc>
+              <a:spcBef>
+                <a:spcPts val="0"/>
+              </a:spcBef>
+              <a:spcAft>
+                <a:spcPts val="0"/>
+              </a:spcAft>
+              <a:buClrTx/>
+              <a:buSzTx/>
+              <a:buFont typeface="Arial" panose="020B0604020202020204" pitchFamily="34" charset="0"/>
+              <a:buChar char="•"/>
+              <a:tabLst/>
+              <a:defRPr/>
+            </a:pPr>
+            <a:r>
+              <a:rPr lang="es-ES" dirty="0"/>
+              <a:t>Configurar la conexión</a:t>
+            </a:r>
+          </a:p>
+          <a:p>
+            <a:pPr marL="628650" marR="0" lvl="1" indent="-171450" algn="l" defTabSz="914400" rtl="0" eaLnBrk="1" fontAlgn="auto" latinLnBrk="0" hangingPunct="1">
+              <a:lnSpc>
+                <a:spcPct val="100000"/>
+              </a:lnSpc>
+              <a:spcBef>
+                <a:spcPts val="0"/>
+              </a:spcBef>
+              <a:spcAft>
+                <a:spcPts val="0"/>
+              </a:spcAft>
+              <a:buClrTx/>
+              <a:buSzTx/>
+              <a:buFont typeface="Arial" panose="020B0604020202020204" pitchFamily="34" charset="0"/>
+              <a:buChar char="•"/>
+              <a:tabLst/>
+              <a:defRPr/>
+            </a:pPr>
+            <a:r>
+              <a:rPr lang="es-ES" dirty="0"/>
+              <a:t>Subscribirse a los eventos</a:t>
+            </a:r>
+          </a:p>
+          <a:p>
+            <a:pPr marL="628650" marR="0" lvl="1" indent="-171450" algn="l" defTabSz="914400" rtl="0" eaLnBrk="1" fontAlgn="auto" latinLnBrk="0" hangingPunct="1">
+              <a:lnSpc>
+                <a:spcPct val="100000"/>
+              </a:lnSpc>
+              <a:spcBef>
+                <a:spcPts val="0"/>
+              </a:spcBef>
+              <a:spcAft>
+                <a:spcPts val="0"/>
+              </a:spcAft>
+              <a:buClrTx/>
+              <a:buSzTx/>
+              <a:buFont typeface="Arial" panose="020B0604020202020204" pitchFamily="34" charset="0"/>
+              <a:buChar char="•"/>
+              <a:tabLst/>
+              <a:defRPr/>
+            </a:pPr>
+            <a:r>
+              <a:rPr lang="es-ES" dirty="0"/>
+              <a:t>Establecer la conexión</a:t>
+            </a:r>
+          </a:p>
+          <a:p>
+            <a:pPr marL="628650" marR="0" lvl="1" indent="-171450" algn="l" defTabSz="914400" rtl="0" eaLnBrk="1" fontAlgn="auto" latinLnBrk="0" hangingPunct="1">
+              <a:lnSpc>
+                <a:spcPct val="100000"/>
+              </a:lnSpc>
+              <a:spcBef>
+                <a:spcPts val="0"/>
+              </a:spcBef>
+              <a:spcAft>
+                <a:spcPts val="0"/>
+              </a:spcAft>
+              <a:buClrTx/>
+              <a:buSzTx/>
+              <a:buFont typeface="Arial" panose="020B0604020202020204" pitchFamily="34" charset="0"/>
+              <a:buChar char="•"/>
+              <a:tabLst/>
+              <a:defRPr/>
+            </a:pPr>
+            <a:r>
+              <a:rPr lang="es-ES" dirty="0" err="1"/>
+              <a:t>Envio</a:t>
+            </a:r>
+            <a:r>
+              <a:rPr lang="es-ES" dirty="0"/>
+              <a:t> de mensajes</a:t>
+            </a:r>
+          </a:p>
+          <a:p>
+            <a:pPr marL="171450" marR="0" lvl="0" indent="-171450" algn="l" defTabSz="914400" rtl="0" eaLnBrk="1" fontAlgn="auto" latinLnBrk="0" hangingPunct="1">
+              <a:lnSpc>
+                <a:spcPct val="100000"/>
+              </a:lnSpc>
+              <a:spcBef>
+                <a:spcPts val="0"/>
+              </a:spcBef>
+              <a:spcAft>
+                <a:spcPts val="0"/>
+              </a:spcAft>
+              <a:buClrTx/>
+              <a:buSzTx/>
+              <a:buFont typeface="Arial" panose="020B0604020202020204" pitchFamily="34" charset="0"/>
+              <a:buChar char="•"/>
+              <a:tabLst/>
+              <a:defRPr/>
+            </a:pPr>
+            <a:r>
+              <a:rPr lang="es-ES" dirty="0"/>
+              <a:t>Crear clase </a:t>
+            </a:r>
+            <a:r>
+              <a:rPr lang="es-ES" dirty="0" err="1"/>
+              <a:t>hub</a:t>
+            </a:r>
+            <a:endParaRPr lang="es-ES" dirty="0"/>
+          </a:p>
+          <a:p>
+            <a:pPr marL="171450" marR="0" lvl="0" indent="-171450" algn="l" defTabSz="914400" rtl="0" eaLnBrk="1" fontAlgn="auto" latinLnBrk="0" hangingPunct="1">
+              <a:lnSpc>
+                <a:spcPct val="100000"/>
+              </a:lnSpc>
+              <a:spcBef>
+                <a:spcPts val="0"/>
+              </a:spcBef>
+              <a:spcAft>
+                <a:spcPts val="0"/>
+              </a:spcAft>
+              <a:buClrTx/>
+              <a:buSzTx/>
+              <a:buFont typeface="Arial" panose="020B0604020202020204" pitchFamily="34" charset="0"/>
+              <a:buChar char="•"/>
+              <a:tabLst/>
+              <a:defRPr/>
+            </a:pPr>
+            <a:r>
+              <a:rPr lang="es-ES" dirty="0"/>
+              <a:t>Modificar </a:t>
+            </a:r>
+            <a:r>
+              <a:rPr lang="es-ES" dirty="0" err="1"/>
+              <a:t>startup.cs</a:t>
+            </a:r>
+            <a:endParaRPr lang="es-ES" dirty="0"/>
+          </a:p>
+          <a:p>
+            <a:pPr marL="628650" marR="0" lvl="1" indent="-171450" algn="l" defTabSz="914400" rtl="0" eaLnBrk="1" fontAlgn="auto" latinLnBrk="0" hangingPunct="1">
+              <a:lnSpc>
+                <a:spcPct val="100000"/>
+              </a:lnSpc>
+              <a:spcBef>
+                <a:spcPts val="0"/>
+              </a:spcBef>
+              <a:spcAft>
+                <a:spcPts val="0"/>
+              </a:spcAft>
+              <a:buClrTx/>
+              <a:buSzTx/>
+              <a:buFont typeface="Arial" panose="020B0604020202020204" pitchFamily="34" charset="0"/>
+              <a:buChar char="•"/>
+              <a:tabLst/>
+              <a:defRPr/>
+            </a:pPr>
+            <a:r>
+              <a:rPr lang="es-ES" dirty="0"/>
+              <a:t>Añadir servicio</a:t>
+            </a:r>
+          </a:p>
+          <a:p>
+            <a:pPr marL="628650" marR="0" lvl="1" indent="-171450" algn="l" defTabSz="914400" rtl="0" eaLnBrk="1" fontAlgn="auto" latinLnBrk="0" hangingPunct="1">
+              <a:lnSpc>
+                <a:spcPct val="100000"/>
+              </a:lnSpc>
+              <a:spcBef>
+                <a:spcPts val="0"/>
+              </a:spcBef>
+              <a:spcAft>
+                <a:spcPts val="0"/>
+              </a:spcAft>
+              <a:buClrTx/>
+              <a:buSzTx/>
+              <a:buFont typeface="Arial" panose="020B0604020202020204" pitchFamily="34" charset="0"/>
+              <a:buChar char="•"/>
+              <a:tabLst/>
+              <a:defRPr/>
+            </a:pPr>
+            <a:r>
+              <a:rPr lang="es-ES" dirty="0"/>
+              <a:t>Configurarlo</a:t>
+            </a:r>
+          </a:p>
+          <a:p>
+            <a:pPr marL="0" marR="0" lvl="0" indent="0" algn="l" defTabSz="914400" rtl="0" eaLnBrk="1" fontAlgn="auto" latinLnBrk="0" hangingPunct="1">
+              <a:lnSpc>
+                <a:spcPct val="100000"/>
+              </a:lnSpc>
+              <a:spcBef>
+                <a:spcPts val="0"/>
+              </a:spcBef>
+              <a:spcAft>
+                <a:spcPts val="0"/>
+              </a:spcAft>
+              <a:buClrTx/>
+              <a:buSzTx/>
+              <a:buFontTx/>
+              <a:buNone/>
+              <a:tabLst/>
+              <a:defRPr/>
+            </a:pPr>
+            <a:endParaRPr lang="es-ES" dirty="0"/>
+          </a:p>
+          <a:p>
+            <a:pPr marL="0" marR="0" lvl="0" indent="0" algn="l" defTabSz="914400" rtl="0" eaLnBrk="1" fontAlgn="auto" latinLnBrk="0" hangingPunct="1">
+              <a:lnSpc>
+                <a:spcPct val="100000"/>
+              </a:lnSpc>
+              <a:spcBef>
+                <a:spcPts val="0"/>
+              </a:spcBef>
+              <a:spcAft>
+                <a:spcPts val="0"/>
+              </a:spcAft>
+              <a:buClrTx/>
+              <a:buSzTx/>
+              <a:buFontTx/>
+              <a:buNone/>
+              <a:tabLst/>
+              <a:defRPr/>
+            </a:pPr>
+            <a:r>
+              <a:rPr lang="es-ES" dirty="0"/>
+              <a:t>Hub es la clase que se encarga de coordinar la comunicación bidireccional entre el servidor y el cliente. </a:t>
+            </a:r>
           </a:p>
         </p:txBody>
       </p:sp>

--- a/AzureSignalRCore.pptx
+++ b/AzureSignalRCore.pptx
@@ -1597,15 +1597,7 @@
             </a:r>
             <a:r>
               <a:rPr lang="es-ES" dirty="0"/>
-              <a:t> de datos y enviar video y audio en tiempo real (</a:t>
-            </a:r>
-            <a:r>
-              <a:rPr lang="es-ES"/>
-              <a:t>por ejemplo, </a:t>
-            </a:r>
-            <a:r>
-              <a:rPr lang="es-ES" dirty="0"/>
-              <a:t>para video conferencia)</a:t>
+              <a:t> de datos y enviar video y audio en tiempo real (por ejemplo, para video conferencia)</a:t>
             </a:r>
           </a:p>
           <a:p>
@@ -10648,10 +10640,10 @@
       </p:sp>
       <p:pic>
         <p:nvPicPr>
-          <p:cNvPr id="29" name="Imagen 28">
+          <p:cNvPr id="9" name="Imagen 8">
             <a:extLst>
               <a:ext uri="{FF2B5EF4-FFF2-40B4-BE49-F238E27FC236}">
-                <a16:creationId xmlns:a16="http://schemas.microsoft.com/office/drawing/2014/main" id="{9D23C610-C200-4608-95D4-2C2BCB22A9E0}"/>
+                <a16:creationId xmlns:a16="http://schemas.microsoft.com/office/drawing/2014/main" id="{5A5390DB-0781-4CE3-A65C-509C03D355AA}"/>
               </a:ext>
             </a:extLst>
           </p:cNvPr>
@@ -10661,21 +10653,15 @@
           <p:nvPr/>
         </p:nvPicPr>
         <p:blipFill>
-          <a:blip r:embed="rId4">
-            <a:extLst>
-              <a:ext uri="{28A0092B-C50C-407E-A947-70E740481C1C}">
-                <a14:useLocalDpi xmlns:a14="http://schemas.microsoft.com/office/drawing/2010/main" val="0"/>
-              </a:ext>
-            </a:extLst>
-          </a:blip>
+          <a:blip r:embed="rId4"/>
           <a:stretch>
             <a:fillRect/>
           </a:stretch>
         </p:blipFill>
         <p:spPr>
           <a:xfrm>
-            <a:off x="8840040" y="692868"/>
-            <a:ext cx="2736132" cy="2736132"/>
+            <a:off x="9111727" y="294652"/>
+            <a:ext cx="2588987" cy="2588987"/>
           </a:xfrm>
           <a:prstGeom prst="rect">
             <a:avLst/>
@@ -10692,89 +10678,6 @@
   <p:clrMapOvr>
     <a:masterClrMapping/>
   </p:clrMapOvr>
-  <p:timing>
-    <p:tnLst>
-      <p:par>
-        <p:cTn id="1" dur="indefinite" restart="never" nodeType="tmRoot">
-          <p:childTnLst>
-            <p:seq concurrent="1" nextAc="seek">
-              <p:cTn id="2" dur="indefinite" nodeType="mainSeq">
-                <p:childTnLst>
-                  <p:par>
-                    <p:cTn id="3" fill="hold">
-                      <p:stCondLst>
-                        <p:cond delay="indefinite"/>
-                      </p:stCondLst>
-                      <p:childTnLst>
-                        <p:par>
-                          <p:cTn id="4" fill="hold">
-                            <p:stCondLst>
-                              <p:cond delay="0"/>
-                            </p:stCondLst>
-                            <p:childTnLst>
-                              <p:par>
-                                <p:cTn id="5" presetID="16" presetClass="exit" presetSubtype="21" fill="hold" nodeType="clickEffect">
-                                  <p:stCondLst>
-                                    <p:cond delay="0"/>
-                                  </p:stCondLst>
-                                  <p:childTnLst>
-                                    <p:animEffect transition="out" filter="barn(inVertical)">
-                                      <p:cBhvr>
-                                        <p:cTn id="6" dur="500"/>
-                                        <p:tgtEl>
-                                          <p:spTgt spid="29"/>
-                                        </p:tgtEl>
-                                      </p:cBhvr>
-                                    </p:animEffect>
-                                    <p:set>
-                                      <p:cBhvr>
-                                        <p:cTn id="7" dur="1" fill="hold">
-                                          <p:stCondLst>
-                                            <p:cond delay="499"/>
-                                          </p:stCondLst>
-                                        </p:cTn>
-                                        <p:tgtEl>
-                                          <p:spTgt spid="29"/>
-                                        </p:tgtEl>
-                                        <p:attrNameLst>
-                                          <p:attrName>style.visibility</p:attrName>
-                                        </p:attrNameLst>
-                                      </p:cBhvr>
-                                      <p:to>
-                                        <p:strVal val="hidden"/>
-                                      </p:to>
-                                    </p:set>
-                                  </p:childTnLst>
-                                </p:cTn>
-                              </p:par>
-                            </p:childTnLst>
-                          </p:cTn>
-                        </p:par>
-                      </p:childTnLst>
-                    </p:cTn>
-                  </p:par>
-                </p:childTnLst>
-              </p:cTn>
-              <p:prevCondLst>
-                <p:cond evt="onPrev" delay="0">
-                  <p:tgtEl>
-                    <p:sldTgt/>
-                  </p:tgtEl>
-                </p:cond>
-              </p:prevCondLst>
-              <p:nextCondLst>
-                <p:cond evt="onNext" delay="0">
-                  <p:tgtEl>
-                    <p:sldTgt/>
-                  </p:tgtEl>
-                </p:cond>
-              </p:nextCondLst>
-            </p:seq>
-          </p:childTnLst>
-        </p:cTn>
-      </p:par>
-    </p:tnLst>
-  </p:timing>
 </p:sld>
 </file>
 
